--- a/accRecord/陳時中音檔準確度_HouBi_1016.pptx
+++ b/accRecord/陳時中音檔準確度_HouBi_1016.pptx
@@ -276,7 +276,7 @@
           <a:p>
             <a:fld id="{1160EA64-D806-43AC-9DF2-F8C432F32B4C}" type="datetimeFigureOut">
               <a:rPr lang="en-US" dirty="0"/>
-              <a:t>10/16/2021</a:t>
+              <a:t>10/24/2021</a:t>
             </a:fld>
             <a:endParaRPr lang="en-US" dirty="0"/>
           </a:p>
@@ -442,7 +442,7 @@
           <a:p>
             <a:fld id="{E9F9C37B-1D36-470B-8223-D6C91242EC14}" type="datetimeFigureOut">
               <a:rPr lang="en-US" dirty="0"/>
-              <a:t>10/16/2021</a:t>
+              <a:t>10/24/2021</a:t>
             </a:fld>
             <a:endParaRPr lang="en-US" dirty="0"/>
           </a:p>
@@ -617,7 +617,7 @@
           <a:p>
             <a:fld id="{67C6F52A-A82B-47A2-A83A-8C4C91F2D59F}" type="datetimeFigureOut">
               <a:rPr lang="en-US" dirty="0"/>
-              <a:t>10/16/2021</a:t>
+              <a:t>10/24/2021</a:t>
             </a:fld>
             <a:endParaRPr lang="en-US" dirty="0"/>
           </a:p>
@@ -782,7 +782,7 @@
           <a:p>
             <a:fld id="{F070A7B3-6521-4DCA-87E5-044747A908C1}" type="datetimeFigureOut">
               <a:rPr lang="en-US" dirty="0"/>
-              <a:t>10/16/2021</a:t>
+              <a:t>10/24/2021</a:t>
             </a:fld>
             <a:endParaRPr lang="en-US" dirty="0"/>
           </a:p>
@@ -1046,7 +1046,7 @@
           <a:p>
             <a:fld id="{1160EA64-D806-43AC-9DF2-F8C432F32B4C}" type="datetimeFigureOut">
               <a:rPr lang="en-US" dirty="0"/>
-              <a:t>10/16/2021</a:t>
+              <a:t>10/24/2021</a:t>
             </a:fld>
             <a:endParaRPr lang="en-US" dirty="0"/>
           </a:p>
@@ -1274,7 +1274,7 @@
           <a:p>
             <a:fld id="{AB134690-1557-4C89-A502-4959FE7FAD70}" type="datetimeFigureOut">
               <a:rPr lang="en-US" dirty="0"/>
-              <a:t>10/16/2021</a:t>
+              <a:t>10/24/2021</a:t>
             </a:fld>
             <a:endParaRPr lang="en-US" dirty="0"/>
           </a:p>
@@ -1628,7 +1628,7 @@
           <a:p>
             <a:fld id="{4F7D4976-E339-4826-83B7-FBD03F55ECF8}" type="datetimeFigureOut">
               <a:rPr lang="en-US" dirty="0"/>
-              <a:t>10/16/2021</a:t>
+              <a:t>10/24/2021</a:t>
             </a:fld>
             <a:endParaRPr lang="en-US" dirty="0"/>
           </a:p>
@@ -1764,7 +1764,7 @@
           <a:p>
             <a:fld id="{E1037C31-9E7A-4F99-8774-A0E530DE1A42}" type="datetimeFigureOut">
               <a:rPr lang="en-US" dirty="0"/>
-              <a:t>10/16/2021</a:t>
+              <a:t>10/24/2021</a:t>
             </a:fld>
             <a:endParaRPr lang="en-US" dirty="0"/>
           </a:p>
@@ -1854,7 +1854,7 @@
           <a:p>
             <a:fld id="{C278504F-A551-4DE0-9316-4DCD1D8CC752}" type="datetimeFigureOut">
               <a:rPr lang="en-US" dirty="0"/>
-              <a:t>10/16/2021</a:t>
+              <a:t>10/24/2021</a:t>
             </a:fld>
             <a:endParaRPr lang="en-US" dirty="0"/>
           </a:p>
@@ -2206,7 +2206,7 @@
           <a:p>
             <a:fld id="{D1BE4249-C0D0-4B06-8692-E8BB871AF643}" type="datetimeFigureOut">
               <a:rPr lang="en-US" dirty="0"/>
-              <a:t>10/16/2021</a:t>
+              <a:t>10/24/2021</a:t>
             </a:fld>
             <a:endParaRPr lang="en-US" dirty="0"/>
           </a:p>
@@ -2558,7 +2558,7 @@
           <a:p>
             <a:fld id="{042B0DB6-F5C7-45FB-8CF3-31B45F9C2DAC}" type="datetimeFigureOut">
               <a:rPr lang="en-US" dirty="0"/>
-              <a:t>10/16/2021</a:t>
+              <a:t>10/24/2021</a:t>
             </a:fld>
             <a:endParaRPr lang="en-US" dirty="0"/>
           </a:p>
@@ -2795,7 +2795,7 @@
           <a:p>
             <a:fld id="{1160EA64-D806-43AC-9DF2-F8C432F32B4C}" type="datetimeFigureOut">
               <a:rPr lang="en-US" dirty="0"/>
-              <a:t>10/16/2021</a:t>
+              <a:t>10/24/2021</a:t>
             </a:fld>
             <a:endParaRPr lang="en-US" dirty="0"/>
           </a:p>
@@ -4036,7 +4036,7 @@
           <p:nvPr>
             <p:extLst>
               <p:ext uri="{D42A27DB-BD31-4B8C-83A1-F6EECF244321}">
-                <p14:modId xmlns:p14="http://schemas.microsoft.com/office/powerpoint/2010/main" val="242407726"/>
+                <p14:modId xmlns:p14="http://schemas.microsoft.com/office/powerpoint/2010/main" val="3251209723"/>
               </p:ext>
             </p:extLst>
           </p:nvPr>
@@ -4129,7 +4129,7 @@
                     <a:p>
                       <a:r>
                         <a:rPr lang="en-US" altLang="zh-TW" dirty="0"/>
-                        <a:t>0.4</a:t>
+                        <a:t>0.5</a:t>
                       </a:r>
                       <a:r>
                         <a:rPr lang="zh-TW" altLang="en-US" dirty="0"/>
@@ -4167,7 +4167,7 @@
                     <a:p>
                       <a:r>
                         <a:rPr lang="en-US" altLang="zh-TW" dirty="0"/>
-                        <a:t>0.4~0.59</a:t>
+                        <a:t>0.5~0.59</a:t>
                       </a:r>
                       <a:endParaRPr lang="zh-TW" altLang="en-US" dirty="0"/>
                     </a:p>
@@ -4401,7 +4401,7 @@
           <p:nvPr>
             <p:extLst>
               <p:ext uri="{D42A27DB-BD31-4B8C-83A1-F6EECF244321}">
-                <p14:modId xmlns:p14="http://schemas.microsoft.com/office/powerpoint/2010/main" val="3750174559"/>
+                <p14:modId xmlns:p14="http://schemas.microsoft.com/office/powerpoint/2010/main" val="4032201744"/>
               </p:ext>
             </p:extLst>
           </p:nvPr>
@@ -4494,7 +4494,7 @@
                     <a:p>
                       <a:r>
                         <a:rPr lang="en-US" altLang="zh-TW" dirty="0"/>
-                        <a:t>0.4</a:t>
+                        <a:t>0.5</a:t>
                       </a:r>
                       <a:r>
                         <a:rPr lang="zh-TW" altLang="en-US" dirty="0"/>
@@ -4532,7 +4532,7 @@
                     <a:p>
                       <a:r>
                         <a:rPr lang="en-US" altLang="zh-TW" dirty="0"/>
-                        <a:t>0.4~0.59</a:t>
+                        <a:t>0.5~0.59</a:t>
                       </a:r>
                       <a:endParaRPr lang="zh-TW" altLang="en-US" dirty="0"/>
                     </a:p>
@@ -4766,7 +4766,7 @@
           <p:nvPr>
             <p:extLst>
               <p:ext uri="{D42A27DB-BD31-4B8C-83A1-F6EECF244321}">
-                <p14:modId xmlns:p14="http://schemas.microsoft.com/office/powerpoint/2010/main" val="2924312393"/>
+                <p14:modId xmlns:p14="http://schemas.microsoft.com/office/powerpoint/2010/main" val="540578062"/>
               </p:ext>
             </p:extLst>
           </p:nvPr>
@@ -4859,7 +4859,7 @@
                     <a:p>
                       <a:r>
                         <a:rPr lang="en-US" altLang="zh-TW" dirty="0"/>
-                        <a:t>0.4</a:t>
+                        <a:t>0.5</a:t>
                       </a:r>
                       <a:r>
                         <a:rPr lang="zh-TW" altLang="en-US" dirty="0"/>
@@ -5131,7 +5131,7 @@
           <p:nvPr>
             <p:extLst>
               <p:ext uri="{D42A27DB-BD31-4B8C-83A1-F6EECF244321}">
-                <p14:modId xmlns:p14="http://schemas.microsoft.com/office/powerpoint/2010/main" val="2898623253"/>
+                <p14:modId xmlns:p14="http://schemas.microsoft.com/office/powerpoint/2010/main" val="2863507067"/>
               </p:ext>
             </p:extLst>
           </p:nvPr>
@@ -5224,7 +5224,7 @@
                     <a:p>
                       <a:r>
                         <a:rPr lang="en-US" altLang="zh-TW" dirty="0"/>
-                        <a:t>0.4</a:t>
+                        <a:t>0.5</a:t>
                       </a:r>
                       <a:r>
                         <a:rPr lang="zh-TW" altLang="en-US" dirty="0"/>
@@ -5262,7 +5262,7 @@
                     <a:p>
                       <a:r>
                         <a:rPr lang="en-US" altLang="zh-TW" dirty="0"/>
-                        <a:t>0.45~0.59</a:t>
+                        <a:t>0.5~0.59</a:t>
                       </a:r>
                       <a:endParaRPr lang="zh-TW" altLang="en-US" dirty="0"/>
                     </a:p>
